--- a/Thesis/X5CK8C_NAGY_KERTESZ_PREZ.pptx
+++ b/Thesis/X5CK8C_NAGY_KERTESZ_PREZ.pptx
@@ -6231,7 +6231,7 @@
         <p:spPr>
           <a:xfrm>
             <a:off x="866216" y="4465452"/>
-            <a:ext cx="6805952" cy="758268"/>
+            <a:ext cx="6805952" cy="1952126"/>
           </a:xfrm>
         </p:spPr>
         <p:txBody>
@@ -6274,6 +6274,49 @@
             <a:r>
               <a:rPr lang="en-US" sz="1800" dirty="0" err="1"/>
               <a:t>gábor</a:t>
+            </a:r>
+            <a:endParaRPr lang="en-US" sz="1800" dirty="0"/>
+          </a:p>
+          <a:p>
+            <a:r>
+              <a:rPr lang="en-US" sz="1800" dirty="0"/>
+              <a:t>ÓBUDAI EGYETEM – NEUMANN JÁNOS </a:t>
+            </a:r>
+            <a:r>
+              <a:rPr lang="en-US" sz="1800" dirty="0" err="1"/>
+              <a:t>Informatikai</a:t>
+            </a:r>
+            <a:r>
+              <a:rPr lang="en-US" sz="1800" dirty="0"/>
+              <a:t> Kar</a:t>
+            </a:r>
+          </a:p>
+          <a:p>
+            <a:r>
+              <a:rPr lang="en-US" sz="1800" dirty="0"/>
+              <a:t>MÉRNÖKINFOTMATIKA SZAK</a:t>
+            </a:r>
+          </a:p>
+          <a:p>
+            <a:r>
+              <a:rPr lang="en-US" sz="1800" dirty="0" err="1"/>
+              <a:t>Szoftverrendszerek</a:t>
+            </a:r>
+            <a:r>
+              <a:rPr lang="en-US" sz="1800" dirty="0"/>
+              <a:t> </a:t>
+            </a:r>
+            <a:r>
+              <a:rPr lang="en-US" sz="1800" dirty="0" err="1"/>
+              <a:t>Fejlesztése</a:t>
+            </a:r>
+            <a:r>
+              <a:rPr lang="en-US" sz="1800" dirty="0"/>
+              <a:t> </a:t>
+            </a:r>
+            <a:r>
+              <a:rPr lang="en-US" sz="1800" dirty="0" err="1"/>
+              <a:t>Specializáció</a:t>
             </a:r>
             <a:endParaRPr lang="en-US" sz="1800" dirty="0"/>
           </a:p>
